--- a/PresentationSETRACK.pptx
+++ b/PresentationSETRACK.pptx
@@ -107,6 +107,11 @@
       </a:defRPr>
     </a:lvl9pPr>
   </p:defaultTextStyle>
+  <p:extLst>
+    <p:ext uri="{EFAFB233-063F-42B5-8137-9DF3F51BA10A}">
+      <p15:sldGuideLst xmlns:p15="http://schemas.microsoft.com/office/powerpoint/2012/main"/>
+    </p:ext>
+  </p:extLst>
 </p:presentation>
 </file>
 
@@ -192,7 +197,7 @@
           <a:p>
             <a:fld id="{3C2F067E-EBC4-40E5-9893-0B30640A5DF1}" type="datetimeFigureOut">
               <a:rPr lang="nl-NL" smtClean="0"/>
-              <a:t>13-4-2018</a:t>
+              <a:t>23-4-2018</a:t>
             </a:fld>
             <a:endParaRPr lang="nl-NL"/>
           </a:p>
@@ -719,7 +724,7 @@
           <a:p>
             <a:fld id="{46CB3056-E5A9-44AB-A06C-52135AB40848}" type="datetimeFigureOut">
               <a:rPr lang="nl-NL" smtClean="0"/>
-              <a:t>13-4-2018</a:t>
+              <a:t>23-4-2018</a:t>
             </a:fld>
             <a:endParaRPr lang="nl-NL"/>
           </a:p>
@@ -919,7 +924,7 @@
           <a:p>
             <a:fld id="{46CB3056-E5A9-44AB-A06C-52135AB40848}" type="datetimeFigureOut">
               <a:rPr lang="nl-NL" smtClean="0"/>
-              <a:t>13-4-2018</a:t>
+              <a:t>23-4-2018</a:t>
             </a:fld>
             <a:endParaRPr lang="nl-NL"/>
           </a:p>
@@ -1129,7 +1134,7 @@
           <a:p>
             <a:fld id="{46CB3056-E5A9-44AB-A06C-52135AB40848}" type="datetimeFigureOut">
               <a:rPr lang="nl-NL" smtClean="0"/>
-              <a:t>13-4-2018</a:t>
+              <a:t>23-4-2018</a:t>
             </a:fld>
             <a:endParaRPr lang="nl-NL"/>
           </a:p>
@@ -1239,7 +1244,7 @@
           <a:graphicData uri="http://schemas.openxmlformats.org/presentationml/2006/ole">
             <mc:AlternateContent xmlns:mc="http://schemas.openxmlformats.org/markup-compatibility/2006">
               <mc:Choice xmlns:v="urn:schemas-microsoft-com:vml" Requires="v">
-                <p:oleObj spid="_x0000_s1029" name="think-cell Slide" r:id="rId7" imgW="360" imgH="360" progId="">
+                <p:oleObj spid="_x0000_s1031" name="think-cell Slide" r:id="rId7" imgW="360" imgH="360" progId="">
                   <p:embed/>
                 </p:oleObj>
               </mc:Choice>
@@ -1588,7 +1593,7 @@
           <a:p>
             <a:fld id="{46CB3056-E5A9-44AB-A06C-52135AB40848}" type="datetimeFigureOut">
               <a:rPr lang="nl-NL" smtClean="0"/>
-              <a:t>13-4-2018</a:t>
+              <a:t>23-4-2018</a:t>
             </a:fld>
             <a:endParaRPr lang="nl-NL"/>
           </a:p>
@@ -1864,7 +1869,7 @@
           <a:p>
             <a:fld id="{46CB3056-E5A9-44AB-A06C-52135AB40848}" type="datetimeFigureOut">
               <a:rPr lang="nl-NL" smtClean="0"/>
-              <a:t>13-4-2018</a:t>
+              <a:t>23-4-2018</a:t>
             </a:fld>
             <a:endParaRPr lang="nl-NL"/>
           </a:p>
@@ -2132,7 +2137,7 @@
           <a:p>
             <a:fld id="{46CB3056-E5A9-44AB-A06C-52135AB40848}" type="datetimeFigureOut">
               <a:rPr lang="nl-NL" smtClean="0"/>
-              <a:t>13-4-2018</a:t>
+              <a:t>23-4-2018</a:t>
             </a:fld>
             <a:endParaRPr lang="nl-NL"/>
           </a:p>
@@ -2547,7 +2552,7 @@
           <a:p>
             <a:fld id="{46CB3056-E5A9-44AB-A06C-52135AB40848}" type="datetimeFigureOut">
               <a:rPr lang="nl-NL" smtClean="0"/>
-              <a:t>13-4-2018</a:t>
+              <a:t>23-4-2018</a:t>
             </a:fld>
             <a:endParaRPr lang="nl-NL"/>
           </a:p>
@@ -2689,7 +2694,7 @@
           <a:p>
             <a:fld id="{46CB3056-E5A9-44AB-A06C-52135AB40848}" type="datetimeFigureOut">
               <a:rPr lang="nl-NL" smtClean="0"/>
-              <a:t>13-4-2018</a:t>
+              <a:t>23-4-2018</a:t>
             </a:fld>
             <a:endParaRPr lang="nl-NL"/>
           </a:p>
@@ -2802,7 +2807,7 @@
           <a:p>
             <a:fld id="{46CB3056-E5A9-44AB-A06C-52135AB40848}" type="datetimeFigureOut">
               <a:rPr lang="nl-NL" smtClean="0"/>
-              <a:t>13-4-2018</a:t>
+              <a:t>23-4-2018</a:t>
             </a:fld>
             <a:endParaRPr lang="nl-NL"/>
           </a:p>
@@ -3115,7 +3120,7 @@
           <a:p>
             <a:fld id="{46CB3056-E5A9-44AB-A06C-52135AB40848}" type="datetimeFigureOut">
               <a:rPr lang="nl-NL" smtClean="0"/>
-              <a:t>13-4-2018</a:t>
+              <a:t>23-4-2018</a:t>
             </a:fld>
             <a:endParaRPr lang="nl-NL"/>
           </a:p>
@@ -3404,7 +3409,7 @@
           <a:p>
             <a:fld id="{46CB3056-E5A9-44AB-A06C-52135AB40848}" type="datetimeFigureOut">
               <a:rPr lang="nl-NL" smtClean="0"/>
-              <a:t>13-4-2018</a:t>
+              <a:t>23-4-2018</a:t>
             </a:fld>
             <a:endParaRPr lang="nl-NL"/>
           </a:p>
@@ -3647,7 +3652,7 @@
           <a:p>
             <a:fld id="{46CB3056-E5A9-44AB-A06C-52135AB40848}" type="datetimeFigureOut">
               <a:rPr lang="nl-NL" smtClean="0"/>
-              <a:t>13-4-2018</a:t>
+              <a:t>23-4-2018</a:t>
             </a:fld>
             <a:endParaRPr lang="nl-NL"/>
           </a:p>
@@ -5173,8 +5178,47 @@
                   <a:schemeClr val="tx2"/>
                 </a:solidFill>
               </a:rPr>
-              <a:t>A console printed Menu Card</a:t>
-            </a:r>
+              <a:t>Order visible</a:t>
+            </a:r>
+          </a:p>
+          <a:p>
+            <a:pPr marL="177800" indent="-177800" defTabSz="714375" eaLnBrk="0" hangingPunct="0">
+              <a:spcBef>
+                <a:spcPct val="20000"/>
+              </a:spcBef>
+              <a:buClr>
+                <a:schemeClr val="accent3"/>
+              </a:buClr>
+              <a:buFont typeface="Wingdings" pitchFamily="2" charset="2"/>
+              <a:buChar char="§"/>
+              <a:defRPr/>
+            </a:pPr>
+            <a:r>
+              <a:rPr lang="en-US" sz="1400" dirty="0">
+                <a:solidFill>
+                  <a:schemeClr val="tx2"/>
+                </a:solidFill>
+              </a:rPr>
+              <a:t>Advised selling price based on the ingredients</a:t>
+            </a:r>
+          </a:p>
+          <a:p>
+            <a:pPr marL="177800" indent="-177800" defTabSz="714375" eaLnBrk="0" hangingPunct="0">
+              <a:spcBef>
+                <a:spcPct val="20000"/>
+              </a:spcBef>
+              <a:buClr>
+                <a:schemeClr val="accent3"/>
+              </a:buClr>
+              <a:buFont typeface="Wingdings" pitchFamily="2" charset="2"/>
+              <a:buChar char="§"/>
+              <a:defRPr/>
+            </a:pPr>
+            <a:endParaRPr lang="en-US" sz="1400" dirty="0">
+              <a:solidFill>
+                <a:schemeClr val="tx2"/>
+              </a:solidFill>
+            </a:endParaRPr>
           </a:p>
         </p:txBody>
       </p:sp>
@@ -5291,7 +5335,7 @@
                   <a:schemeClr val="tx2"/>
                 </a:solidFill>
               </a:rPr>
-              <a:t>Data structure menu card</a:t>
+              <a:t>Adding prices to ingredients</a:t>
             </a:r>
           </a:p>
           <a:p>
@@ -5312,7 +5356,7 @@
                   <a:schemeClr val="tx2"/>
                 </a:solidFill>
               </a:rPr>
-              <a:t>Menu Card layout</a:t>
+              <a:t>Cost price calculation</a:t>
             </a:r>
           </a:p>
           <a:p>
@@ -5333,7 +5377,7 @@
                   <a:schemeClr val="tx2"/>
                 </a:solidFill>
               </a:rPr>
-              <a:t>Adding and removing items menu card</a:t>
+              <a:t>Implementation of table- and order number</a:t>
             </a:r>
           </a:p>
           <a:p>
@@ -5354,7 +5398,7 @@
                   <a:schemeClr val="tx2"/>
                 </a:solidFill>
               </a:rPr>
-              <a:t>Adding and removing ingredients</a:t>
+              <a:t>Order prototype</a:t>
             </a:r>
           </a:p>
         </p:txBody>
@@ -5472,7 +5516,7 @@
                   <a:schemeClr val="tx2"/>
                 </a:solidFill>
               </a:rPr>
-              <a:t>We will show an output of a Menu card, and add a new dish to the example menu</a:t>
+              <a:t>QR code</a:t>
             </a:r>
           </a:p>
         </p:txBody>
@@ -6350,7 +6394,7 @@
                   <a:schemeClr val="tx2"/>
                 </a:solidFill>
               </a:rPr>
-              <a:t>Order visible</a:t>
+              <a:t>Place an order</a:t>
             </a:r>
           </a:p>
           <a:p>
@@ -6371,7 +6415,7 @@
                   <a:schemeClr val="tx2"/>
                 </a:solidFill>
               </a:rPr>
-              <a:t>Advised selling price based on the ingredients</a:t>
+              <a:t>Calculation advice price</a:t>
             </a:r>
           </a:p>
         </p:txBody>
@@ -6428,7 +6472,7 @@
                   <a:schemeClr val="tx2"/>
                 </a:solidFill>
               </a:rPr>
-              <a:t>Adding prices to ingredients</a:t>
+              <a:t>Order interface</a:t>
             </a:r>
           </a:p>
           <a:p>
@@ -6449,7 +6493,7 @@
                   <a:schemeClr val="tx2"/>
                 </a:solidFill>
               </a:rPr>
-              <a:t>Cost price calculation</a:t>
+              <a:t>Menu card interface</a:t>
             </a:r>
           </a:p>
           <a:p>
@@ -6470,7 +6514,7 @@
                   <a:schemeClr val="tx2"/>
                 </a:solidFill>
               </a:rPr>
-              <a:t>Advise price calculation</a:t>
+              <a:t>Backend advice price</a:t>
             </a:r>
           </a:p>
           <a:p>
@@ -6485,49 +6529,7 @@
               <a:buChar char="§"/>
               <a:defRPr/>
             </a:pPr>
-            <a:r>
-              <a:rPr lang="en-US" sz="1400" dirty="0">
-                <a:solidFill>
-                  <a:schemeClr val="tx2"/>
-                </a:solidFill>
-              </a:rPr>
-              <a:t>Implementation of table- and order number</a:t>
-            </a:r>
-          </a:p>
-          <a:p>
-            <a:pPr marL="177800" indent="-177800" defTabSz="714375" eaLnBrk="0" hangingPunct="0">
-              <a:spcBef>
-                <a:spcPct val="20000"/>
-              </a:spcBef>
-              <a:buClr>
-                <a:schemeClr val="accent3"/>
-              </a:buClr>
-              <a:buFont typeface="Wingdings" pitchFamily="2" charset="2"/>
-              <a:buChar char="§"/>
-              <a:defRPr/>
-            </a:pPr>
-            <a:r>
-              <a:rPr lang="en-US" sz="1400" dirty="0">
-                <a:solidFill>
-                  <a:schemeClr val="tx2"/>
-                </a:solidFill>
-              </a:rPr>
-              <a:t>Order prototype</a:t>
-            </a:r>
-          </a:p>
-          <a:p>
-            <a:pPr marL="177800" indent="-177800" defTabSz="714375" eaLnBrk="0" hangingPunct="0">
-              <a:spcBef>
-                <a:spcPct val="20000"/>
-              </a:spcBef>
-              <a:buClr>
-                <a:schemeClr val="accent3"/>
-              </a:buClr>
-              <a:buFont typeface="Wingdings" pitchFamily="2" charset="2"/>
-              <a:buChar char="§"/>
-              <a:defRPr/>
-            </a:pPr>
-            <a:endParaRPr lang="en-US" dirty="0">
+            <a:endParaRPr lang="en-US" sz="1400" dirty="0">
               <a:solidFill>
                 <a:schemeClr val="tx2"/>
               </a:solidFill>
@@ -6543,7 +6545,7 @@
               </a:buClr>
               <a:defRPr/>
             </a:pPr>
-            <a:endParaRPr lang="en-US" dirty="0">
+            <a:endParaRPr lang="en-US" sz="1400" dirty="0">
               <a:solidFill>
                 <a:schemeClr val="tx2"/>
               </a:solidFill>
